--- a/Exxon.pptx
+++ b/Exxon.pptx
@@ -71,7 +71,7 @@
         <p:spPr>
           <a:xfrm>
             <a:off x="504000" y="301320"/>
-            <a:ext cx="9071280" cy="1262520"/>
+            <a:ext cx="9070920" cy="1262520"/>
           </a:xfrm>
           <a:prstGeom prst="rect">
             <a:avLst/>
@@ -98,7 +98,7 @@
         <p:spPr>
           <a:xfrm>
             <a:off x="504000" y="1768680"/>
-            <a:ext cx="9072000" cy="2090880"/>
+            <a:ext cx="9071640" cy="2090880"/>
           </a:xfrm>
           <a:prstGeom prst="rect">
             <a:avLst/>
@@ -124,7 +124,7 @@
         <p:spPr>
           <a:xfrm>
             <a:off x="504000" y="4058640"/>
-            <a:ext cx="9072000" cy="2090880"/>
+            <a:ext cx="9071640" cy="2090880"/>
           </a:xfrm>
           <a:prstGeom prst="rect">
             <a:avLst/>
@@ -172,7 +172,7 @@
         <p:spPr>
           <a:xfrm>
             <a:off x="504000" y="301320"/>
-            <a:ext cx="9071280" cy="1262520"/>
+            <a:ext cx="9070920" cy="1262520"/>
           </a:xfrm>
           <a:prstGeom prst="rect">
             <a:avLst/>
@@ -325,7 +325,7 @@
         <p:spPr>
           <a:xfrm>
             <a:off x="504000" y="301320"/>
-            <a:ext cx="9071280" cy="1262520"/>
+            <a:ext cx="9070920" cy="1262520"/>
           </a:xfrm>
           <a:prstGeom prst="rect">
             <a:avLst/>
@@ -352,7 +352,7 @@
         <p:spPr>
           <a:xfrm>
             <a:off x="504000" y="1768680"/>
-            <a:ext cx="9072000" cy="4384080"/>
+            <a:ext cx="9071640" cy="4383720"/>
           </a:xfrm>
           <a:prstGeom prst="rect">
             <a:avLst/>
@@ -378,7 +378,7 @@
         <p:spPr>
           <a:xfrm>
             <a:off x="504000" y="1768680"/>
-            <a:ext cx="9072000" cy="4384080"/>
+            <a:ext cx="9071640" cy="4383720"/>
           </a:xfrm>
           <a:prstGeom prst="rect">
             <a:avLst/>
@@ -405,8 +405,8 @@
         </p:blipFill>
         <p:spPr>
           <a:xfrm>
-            <a:off x="2292480" y="1768680"/>
-            <a:ext cx="5494680" cy="4384080"/>
+            <a:off x="2292480" y="1768320"/>
+            <a:ext cx="5494320" cy="4383720"/>
           </a:xfrm>
           <a:prstGeom prst="rect">
             <a:avLst/>
@@ -430,8 +430,8 @@
         </p:blipFill>
         <p:spPr>
           <a:xfrm>
-            <a:off x="2292480" y="1768680"/>
-            <a:ext cx="5494680" cy="4384080"/>
+            <a:off x="2292480" y="1768320"/>
+            <a:ext cx="5494320" cy="4383720"/>
           </a:xfrm>
           <a:prstGeom prst="rect">
             <a:avLst/>
@@ -476,7 +476,7 @@
         <p:spPr>
           <a:xfrm>
             <a:off x="504000" y="301320"/>
-            <a:ext cx="9071280" cy="1262520"/>
+            <a:ext cx="9070920" cy="1262520"/>
           </a:xfrm>
           <a:prstGeom prst="rect">
             <a:avLst/>
@@ -503,7 +503,7 @@
         <p:spPr>
           <a:xfrm>
             <a:off x="504000" y="1768680"/>
-            <a:ext cx="9072000" cy="4384440"/>
+            <a:ext cx="9071640" cy="4384080"/>
           </a:xfrm>
           <a:prstGeom prst="rect">
             <a:avLst/>
@@ -552,7 +552,7 @@
         <p:spPr>
           <a:xfrm>
             <a:off x="504000" y="301320"/>
-            <a:ext cx="9071280" cy="1262520"/>
+            <a:ext cx="9070920" cy="1262520"/>
           </a:xfrm>
           <a:prstGeom prst="rect">
             <a:avLst/>
@@ -579,7 +579,7 @@
         <p:spPr>
           <a:xfrm>
             <a:off x="504000" y="1768680"/>
-            <a:ext cx="9072000" cy="4384080"/>
+            <a:ext cx="9071640" cy="4383720"/>
           </a:xfrm>
           <a:prstGeom prst="rect">
             <a:avLst/>
@@ -627,7 +627,7 @@
         <p:spPr>
           <a:xfrm>
             <a:off x="504000" y="301320"/>
-            <a:ext cx="9071280" cy="1262520"/>
+            <a:ext cx="9070920" cy="1262520"/>
           </a:xfrm>
           <a:prstGeom prst="rect">
             <a:avLst/>
@@ -654,7 +654,7 @@
         <p:spPr>
           <a:xfrm>
             <a:off x="504000" y="1768680"/>
-            <a:ext cx="4426920" cy="4384080"/>
+            <a:ext cx="4426920" cy="4383720"/>
           </a:xfrm>
           <a:prstGeom prst="rect">
             <a:avLst/>
@@ -680,7 +680,7 @@
         <p:spPr>
           <a:xfrm>
             <a:off x="5152680" y="1768680"/>
-            <a:ext cx="4426920" cy="4384080"/>
+            <a:ext cx="4426920" cy="4383720"/>
           </a:xfrm>
           <a:prstGeom prst="rect">
             <a:avLst/>
@@ -728,7 +728,7 @@
         <p:spPr>
           <a:xfrm>
             <a:off x="504000" y="301320"/>
-            <a:ext cx="9071280" cy="1262520"/>
+            <a:ext cx="9070920" cy="1262520"/>
           </a:xfrm>
           <a:prstGeom prst="rect">
             <a:avLst/>
@@ -777,7 +777,7 @@
         <p:spPr>
           <a:xfrm>
             <a:off x="504000" y="301320"/>
-            <a:ext cx="9071280" cy="5852160"/>
+            <a:ext cx="9070920" cy="5852160"/>
           </a:xfrm>
           <a:prstGeom prst="rect">
             <a:avLst/>
@@ -826,7 +826,7 @@
         <p:spPr>
           <a:xfrm>
             <a:off x="504000" y="301320"/>
-            <a:ext cx="9071280" cy="1262520"/>
+            <a:ext cx="9070920" cy="1262520"/>
           </a:xfrm>
           <a:prstGeom prst="rect">
             <a:avLst/>
@@ -905,7 +905,7 @@
         <p:spPr>
           <a:xfrm>
             <a:off x="5152680" y="1768680"/>
-            <a:ext cx="4426920" cy="4384080"/>
+            <a:ext cx="4426920" cy="4383720"/>
           </a:xfrm>
           <a:prstGeom prst="rect">
             <a:avLst/>
@@ -953,7 +953,7 @@
         <p:spPr>
           <a:xfrm>
             <a:off x="504000" y="301320"/>
-            <a:ext cx="9071280" cy="1262520"/>
+            <a:ext cx="9070920" cy="1262520"/>
           </a:xfrm>
           <a:prstGeom prst="rect">
             <a:avLst/>
@@ -980,7 +980,7 @@
         <p:spPr>
           <a:xfrm>
             <a:off x="504000" y="1768680"/>
-            <a:ext cx="4426920" cy="4384080"/>
+            <a:ext cx="4426920" cy="4383720"/>
           </a:xfrm>
           <a:prstGeom prst="rect">
             <a:avLst/>
@@ -1080,7 +1080,7 @@
         <p:spPr>
           <a:xfrm>
             <a:off x="504000" y="301320"/>
-            <a:ext cx="9071280" cy="1262520"/>
+            <a:ext cx="9070920" cy="1262520"/>
           </a:xfrm>
           <a:prstGeom prst="rect">
             <a:avLst/>
@@ -1159,7 +1159,7 @@
         <p:spPr>
           <a:xfrm>
             <a:off x="504000" y="4058640"/>
-            <a:ext cx="9072000" cy="2090880"/>
+            <a:ext cx="9071640" cy="2090880"/>
           </a:xfrm>
           <a:prstGeom prst="rect">
             <a:avLst/>
@@ -1207,7 +1207,7 @@
         <p:spPr>
           <a:xfrm>
             <a:off x="504000" y="301320"/>
-            <a:ext cx="9071280" cy="1262160"/>
+            <a:ext cx="9070920" cy="1262160"/>
           </a:xfrm>
           <a:prstGeom prst="rect">
             <a:avLst/>
@@ -1239,7 +1239,7 @@
         <p:spPr>
           <a:xfrm>
             <a:off x="504000" y="1768680"/>
-            <a:ext cx="9072000" cy="4384080"/>
+            <a:ext cx="9071640" cy="4383720"/>
           </a:xfrm>
           <a:prstGeom prst="rect">
             <a:avLst/>
@@ -1254,7 +1254,7 @@
               <a:buChar char=""/>
             </a:pPr>
             <a:r>
-              <a:rPr lang="en-US" sz="3200">
+              <a:rPr lang="en-US">
                 <a:latin typeface="Arial"/>
               </a:rPr>
               <a:t>Click to edit the outline text format</a:t>
@@ -1268,7 +1268,7 @@
               <a:buChar char=""/>
             </a:pPr>
             <a:r>
-              <a:rPr lang="en-US" sz="2800">
+              <a:rPr lang="en-US">
                 <a:latin typeface="Arial"/>
               </a:rPr>
               <a:t>Second Outline Level</a:t>
@@ -1282,7 +1282,7 @@
               <a:buChar char=""/>
             </a:pPr>
             <a:r>
-              <a:rPr lang="en-US" sz="2400">
+              <a:rPr lang="en-US">
                 <a:latin typeface="Arial"/>
               </a:rPr>
               <a:t>Third Outline Level</a:t>
@@ -1296,7 +1296,7 @@
               <a:buChar char=""/>
             </a:pPr>
             <a:r>
-              <a:rPr lang="en-US" sz="2000">
+              <a:rPr lang="en-US">
                 <a:latin typeface="Arial"/>
               </a:rPr>
               <a:t>Fourth Outline Level</a:t>
@@ -1310,7 +1310,7 @@
               <a:buChar char=""/>
             </a:pPr>
             <a:r>
-              <a:rPr lang="en-US" sz="2000">
+              <a:rPr lang="en-US">
                 <a:latin typeface="Arial"/>
               </a:rPr>
               <a:t>Fifth Outline Level</a:t>
@@ -1324,7 +1324,7 @@
               <a:buChar char=""/>
             </a:pPr>
             <a:r>
-              <a:rPr lang="en-US" sz="2000">
+              <a:rPr lang="en-US">
                 <a:latin typeface="Arial"/>
               </a:rPr>
               <a:t>Sixth Outline Level</a:t>
@@ -1338,7 +1338,7 @@
               <a:buChar char=""/>
             </a:pPr>
             <a:r>
-              <a:rPr lang="en-US" sz="2000">
+              <a:rPr lang="en-US">
                 <a:latin typeface="Arial"/>
               </a:rPr>
               <a:t>Seventh Outline Level</a:t>
@@ -1393,7 +1393,7 @@
         <p:spPr>
           <a:xfrm>
             <a:off x="504000" y="832320"/>
-            <a:ext cx="9071280" cy="1027440"/>
+            <a:ext cx="9070920" cy="1027080"/>
           </a:xfrm>
           <a:prstGeom prst="rect">
             <a:avLst/>
@@ -1430,7 +1430,7 @@
         <p:spPr>
           <a:xfrm>
             <a:off x="504000" y="1097280"/>
-            <a:ext cx="9071280" cy="6126120"/>
+            <a:ext cx="9070920" cy="6125760"/>
           </a:xfrm>
           <a:prstGeom prst="rect">
             <a:avLst/>
@@ -1598,7 +1598,7 @@
         <p:spPr>
           <a:xfrm>
             <a:off x="0" y="93960"/>
-            <a:ext cx="10079640" cy="1146240"/>
+            <a:ext cx="10079280" cy="1145880"/>
           </a:xfrm>
           <a:prstGeom prst="rect">
             <a:avLst/>
@@ -1656,7 +1656,7 @@
         <p:spPr>
           <a:xfrm>
             <a:off x="504000" y="1097280"/>
-            <a:ext cx="9071280" cy="6126120"/>
+            <a:ext cx="9070920" cy="6125760"/>
           </a:xfrm>
           <a:prstGeom prst="rect">
             <a:avLst/>
@@ -1733,7 +1733,7 @@
         <p:spPr>
           <a:xfrm>
             <a:off x="91440" y="3108960"/>
-            <a:ext cx="6595200" cy="4663080"/>
+            <a:ext cx="6594840" cy="4662720"/>
           </a:xfrm>
           <a:prstGeom prst="rect">
             <a:avLst/>
@@ -1752,7 +1752,7 @@
         <p:spPr>
           <a:xfrm>
             <a:off x="274320" y="618480"/>
-            <a:ext cx="7166520" cy="2834640"/>
+            <a:ext cx="7166160" cy="2834280"/>
           </a:xfrm>
           <a:prstGeom prst="rect">
             <a:avLst/>
@@ -1881,7 +1881,7 @@
         <p:spPr>
           <a:xfrm>
             <a:off x="5577840" y="937800"/>
-            <a:ext cx="3997440" cy="5653800"/>
+            <a:ext cx="3997080" cy="5653440"/>
           </a:xfrm>
           <a:prstGeom prst="rect">
             <a:avLst/>
@@ -1949,7 +1949,7 @@
         <p:spPr>
           <a:xfrm>
             <a:off x="0" y="93960"/>
-            <a:ext cx="10079640" cy="1146240"/>
+            <a:ext cx="10079280" cy="1145880"/>
           </a:xfrm>
           <a:prstGeom prst="rect">
             <a:avLst/>
@@ -1998,7 +1998,7 @@
         <p:spPr>
           <a:xfrm>
             <a:off x="504000" y="1097280"/>
-            <a:ext cx="9071280" cy="6126120"/>
+            <a:ext cx="9070920" cy="6125760"/>
           </a:xfrm>
           <a:prstGeom prst="rect">
             <a:avLst/>
@@ -2069,7 +2069,7 @@
         <p:spPr>
           <a:xfrm>
             <a:off x="274320" y="618480"/>
-            <a:ext cx="7166520" cy="3177720"/>
+            <a:ext cx="7166160" cy="3177360"/>
           </a:xfrm>
           <a:prstGeom prst="rect">
             <a:avLst/>
@@ -2208,7 +2208,7 @@
         <p:spPr>
           <a:xfrm>
             <a:off x="0" y="93960"/>
-            <a:ext cx="10079640" cy="1146240"/>
+            <a:ext cx="10079280" cy="1145880"/>
           </a:xfrm>
           <a:prstGeom prst="rect">
             <a:avLst/>
@@ -2257,7 +2257,7 @@
         <p:spPr>
           <a:xfrm>
             <a:off x="504000" y="1097280"/>
-            <a:ext cx="9071280" cy="6126120"/>
+            <a:ext cx="9070920" cy="6125760"/>
           </a:xfrm>
           <a:prstGeom prst="rect">
             <a:avLst/>
@@ -2328,7 +2328,7 @@
         <p:spPr>
           <a:xfrm>
             <a:off x="274320" y="618480"/>
-            <a:ext cx="7166520" cy="2490120"/>
+            <a:ext cx="7166160" cy="2489760"/>
           </a:xfrm>
           <a:prstGeom prst="rect">
             <a:avLst/>
@@ -2367,7 +2367,7 @@
         <p:spPr>
           <a:xfrm>
             <a:off x="274320" y="618480"/>
-            <a:ext cx="9805320" cy="5236200"/>
+            <a:ext cx="9804960" cy="5235840"/>
           </a:xfrm>
           <a:prstGeom prst="rect">
             <a:avLst/>
@@ -2509,7 +2509,7 @@
         <p:spPr>
           <a:xfrm>
             <a:off x="152640" y="1371600"/>
-            <a:ext cx="5790960" cy="4343040"/>
+            <a:ext cx="5790600" cy="4342680"/>
           </a:xfrm>
           <a:prstGeom prst="rect">
             <a:avLst/>
@@ -2534,7 +2534,7 @@
         <p:spPr>
           <a:xfrm>
             <a:off x="61200" y="1737360"/>
-            <a:ext cx="5242320" cy="3931560"/>
+            <a:ext cx="5241960" cy="3931200"/>
           </a:xfrm>
           <a:prstGeom prst="rect">
             <a:avLst/>
@@ -2559,7 +2559,7 @@
         <p:spPr>
           <a:xfrm>
             <a:off x="4572000" y="1966320"/>
-            <a:ext cx="5143320" cy="3428640"/>
+            <a:ext cx="5142960" cy="3428280"/>
           </a:xfrm>
           <a:prstGeom prst="rect">
             <a:avLst/>
@@ -2571,18 +2571,22 @@
       </p:pic>
       <p:sp>
         <p:nvSpPr>
-          <p:cNvPr id="53" name="TextShape 5"/>
-          <p:cNvSpPr txBox="1"/>
+          <p:cNvPr id="53" name="CustomShape 5"/>
+          <p:cNvSpPr/>
           <p:nvPr/>
         </p:nvSpPr>
         <p:spPr>
           <a:xfrm>
             <a:off x="1645920" y="5509800"/>
-            <a:ext cx="7290360" cy="433800"/>
-          </a:xfrm>
-          <a:prstGeom prst="rect">
-            <a:avLst/>
-          </a:prstGeom>
+            <a:ext cx="7290000" cy="433440"/>
+          </a:xfrm>
+          <a:prstGeom prst="rect">
+            <a:avLst/>
+          </a:prstGeom>
+          <a:noFill/>
+          <a:ln>
+            <a:noFill/>
+          </a:ln>
         </p:spPr>
         <p:txBody>
           <a:bodyPr lIns="90000" rIns="90000" tIns="45000" bIns="45000"/>
@@ -2660,7 +2664,7 @@
         <p:spPr>
           <a:xfrm>
             <a:off x="0" y="93960"/>
-            <a:ext cx="10079640" cy="1146240"/>
+            <a:ext cx="10079280" cy="1145880"/>
           </a:xfrm>
           <a:prstGeom prst="rect">
             <a:avLst/>
@@ -2709,7 +2713,7 @@
         <p:spPr>
           <a:xfrm>
             <a:off x="504000" y="1097280"/>
-            <a:ext cx="9071280" cy="6126120"/>
+            <a:ext cx="9070920" cy="6125760"/>
           </a:xfrm>
           <a:prstGeom prst="rect">
             <a:avLst/>
@@ -2780,7 +2784,7 @@
         <p:spPr>
           <a:xfrm>
             <a:off x="274320" y="618480"/>
-            <a:ext cx="7166520" cy="2490120"/>
+            <a:ext cx="7166160" cy="2489760"/>
           </a:xfrm>
           <a:prstGeom prst="rect">
             <a:avLst/>
@@ -2825,7 +2829,7 @@
         <p:spPr>
           <a:xfrm>
             <a:off x="4754880" y="1420920"/>
-            <a:ext cx="5195880" cy="4156560"/>
+            <a:ext cx="5195520" cy="4156200"/>
           </a:xfrm>
           <a:prstGeom prst="rect">
             <a:avLst/>
@@ -2844,7 +2848,7 @@
         <p:spPr>
           <a:xfrm>
             <a:off x="239760" y="457200"/>
-            <a:ext cx="7166520" cy="7294680"/>
+            <a:ext cx="7166160" cy="7294320"/>
           </a:xfrm>
           <a:prstGeom prst="rect">
             <a:avLst/>
@@ -3301,7 +3305,7 @@
         <p:spPr>
           <a:xfrm>
             <a:off x="0" y="93960"/>
-            <a:ext cx="10079640" cy="1146240"/>
+            <a:ext cx="10079280" cy="1145880"/>
           </a:xfrm>
           <a:prstGeom prst="rect">
             <a:avLst/>
@@ -3350,7 +3354,7 @@
         <p:spPr>
           <a:xfrm>
             <a:off x="504000" y="1097280"/>
-            <a:ext cx="9071280" cy="6126120"/>
+            <a:ext cx="9070920" cy="6125760"/>
           </a:xfrm>
           <a:prstGeom prst="rect">
             <a:avLst/>
@@ -3421,7 +3425,7 @@
         <p:spPr>
           <a:xfrm>
             <a:off x="274320" y="618480"/>
-            <a:ext cx="7166520" cy="2490120"/>
+            <a:ext cx="7166160" cy="2489760"/>
           </a:xfrm>
           <a:prstGeom prst="rect">
             <a:avLst/>
@@ -3460,7 +3464,7 @@
         <p:spPr>
           <a:xfrm>
             <a:off x="274320" y="618480"/>
-            <a:ext cx="9805320" cy="5579280"/>
+            <a:ext cx="9804960" cy="5578920"/>
           </a:xfrm>
           <a:prstGeom prst="rect">
             <a:avLst/>
@@ -3633,32 +3637,7 @@
         <p:spPr>
           <a:xfrm>
             <a:off x="2040120" y="2134080"/>
-            <a:ext cx="6189120" cy="2986200"/>
-          </a:xfrm>
-          <a:prstGeom prst="rect">
-            <a:avLst/>
-          </a:prstGeom>
-          <a:ln>
-            <a:noFill/>
-          </a:ln>
-        </p:spPr>
-      </p:pic>
-      <p:pic>
-        <p:nvPicPr>
-          <p:cNvPr id="64" name="" descr=""/>
-          <p:cNvPicPr/>
-          <p:nvPr/>
-        </p:nvPicPr>
-        <p:blipFill>
-          <a:blip r:embed="rId2"/>
-          <a:stretch>
-            <a:fillRect/>
-          </a:stretch>
-        </p:blipFill>
-        <p:spPr>
-          <a:xfrm>
-            <a:off x="1968840" y="2205360"/>
-            <a:ext cx="6189120" cy="2986200"/>
+            <a:ext cx="6188760" cy="2985840"/>
           </a:xfrm>
           <a:prstGeom prst="rect">
             <a:avLst/>
@@ -3719,14 +3698,14 @@
       </p:grpSpPr>
       <p:sp>
         <p:nvSpPr>
-          <p:cNvPr id="65" name="CustomShape 1"/>
+          <p:cNvPr id="64" name="CustomShape 1"/>
           <p:cNvSpPr/>
           <p:nvPr/>
         </p:nvSpPr>
         <p:spPr>
           <a:xfrm>
             <a:off x="0" y="93960"/>
-            <a:ext cx="10079640" cy="1146240"/>
+            <a:ext cx="10079280" cy="1145880"/>
           </a:xfrm>
           <a:prstGeom prst="rect">
             <a:avLst/>
@@ -3768,14 +3747,14 @@
       </p:sp>
       <p:sp>
         <p:nvSpPr>
-          <p:cNvPr id="66" name="CustomShape 2"/>
+          <p:cNvPr id="65" name="CustomShape 2"/>
           <p:cNvSpPr/>
           <p:nvPr/>
         </p:nvSpPr>
         <p:spPr>
           <a:xfrm>
             <a:off x="504000" y="1097280"/>
-            <a:ext cx="9071280" cy="6126120"/>
+            <a:ext cx="9070920" cy="6125760"/>
           </a:xfrm>
           <a:prstGeom prst="rect">
             <a:avLst/>
@@ -3839,14 +3818,14 @@
       </p:sp>
       <p:sp>
         <p:nvSpPr>
-          <p:cNvPr id="67" name="CustomShape 3"/>
+          <p:cNvPr id="66" name="CustomShape 3"/>
           <p:cNvSpPr/>
           <p:nvPr/>
         </p:nvSpPr>
         <p:spPr>
           <a:xfrm>
             <a:off x="274320" y="618480"/>
-            <a:ext cx="7166520" cy="2490120"/>
+            <a:ext cx="7166160" cy="2489760"/>
           </a:xfrm>
           <a:prstGeom prst="rect">
             <a:avLst/>
@@ -3878,14 +3857,14 @@
       </p:sp>
       <p:sp>
         <p:nvSpPr>
-          <p:cNvPr id="68" name="CustomShape 4"/>
+          <p:cNvPr id="67" name="CustomShape 4"/>
           <p:cNvSpPr/>
           <p:nvPr/>
         </p:nvSpPr>
         <p:spPr>
           <a:xfrm>
             <a:off x="274320" y="618480"/>
-            <a:ext cx="9805320" cy="5236200"/>
+            <a:ext cx="9804960" cy="5235840"/>
           </a:xfrm>
           <a:prstGeom prst="rect">
             <a:avLst/>
@@ -4045,13 +4024,13 @@
       </p:sp>
       <p:pic>
         <p:nvPicPr>
-          <p:cNvPr id="69" name="" descr=""/>
+          <p:cNvPr id="68" name="" descr=""/>
           <p:cNvPicPr/>
           <p:nvPr/>
         </p:nvPicPr>
         <p:blipFill>
           <a:blip r:embed="rId1"/>
-          <a:srcRect l="24153" t="0" r="0" b="0"/>
+          <a:srcRect l="24148" t="0" r="0" b="0"/>
           <a:stretch>
             <a:fillRect/>
           </a:stretch>
@@ -4059,7 +4038,7 @@
         <p:spPr>
           <a:xfrm>
             <a:off x="1914840" y="457200"/>
-            <a:ext cx="5857200" cy="10859400"/>
+            <a:ext cx="5856840" cy="10859040"/>
           </a:xfrm>
           <a:prstGeom prst="rect">
             <a:avLst/>
@@ -4120,14 +4099,14 @@
       </p:grpSpPr>
       <p:sp>
         <p:nvSpPr>
-          <p:cNvPr id="70" name="CustomShape 1"/>
+          <p:cNvPr id="69" name="CustomShape 1"/>
           <p:cNvSpPr/>
           <p:nvPr/>
         </p:nvSpPr>
         <p:spPr>
           <a:xfrm>
             <a:off x="0" y="93960"/>
-            <a:ext cx="10079640" cy="1146240"/>
+            <a:ext cx="10079280" cy="1145880"/>
           </a:xfrm>
           <a:prstGeom prst="rect">
             <a:avLst/>
@@ -4169,14 +4148,14 @@
       </p:sp>
       <p:sp>
         <p:nvSpPr>
-          <p:cNvPr id="71" name="CustomShape 2"/>
+          <p:cNvPr id="70" name="CustomShape 2"/>
           <p:cNvSpPr/>
           <p:nvPr/>
         </p:nvSpPr>
         <p:spPr>
           <a:xfrm>
             <a:off x="504000" y="1097280"/>
-            <a:ext cx="9071280" cy="6126120"/>
+            <a:ext cx="9070920" cy="6125760"/>
           </a:xfrm>
           <a:prstGeom prst="rect">
             <a:avLst/>
@@ -4240,14 +4219,14 @@
       </p:sp>
       <p:sp>
         <p:nvSpPr>
-          <p:cNvPr id="72" name="CustomShape 3"/>
+          <p:cNvPr id="71" name="CustomShape 3"/>
           <p:cNvSpPr/>
           <p:nvPr/>
         </p:nvSpPr>
         <p:spPr>
           <a:xfrm>
             <a:off x="274320" y="618480"/>
-            <a:ext cx="7166520" cy="2490120"/>
+            <a:ext cx="7166160" cy="2489760"/>
           </a:xfrm>
           <a:prstGeom prst="rect">
             <a:avLst/>
@@ -4279,14 +4258,14 @@
       </p:sp>
       <p:sp>
         <p:nvSpPr>
-          <p:cNvPr id="73" name="CustomShape 4"/>
+          <p:cNvPr id="72" name="CustomShape 4"/>
           <p:cNvSpPr/>
           <p:nvPr/>
         </p:nvSpPr>
         <p:spPr>
           <a:xfrm>
             <a:off x="274320" y="618480"/>
-            <a:ext cx="9805320" cy="5236200"/>
+            <a:ext cx="9804960" cy="5235840"/>
           </a:xfrm>
           <a:prstGeom prst="rect">
             <a:avLst/>
@@ -4415,7 +4394,7 @@
       </p:sp>
       <p:pic>
         <p:nvPicPr>
-          <p:cNvPr id="74" name="" descr=""/>
+          <p:cNvPr id="73" name="" descr=""/>
           <p:cNvPicPr/>
           <p:nvPr/>
         </p:nvPicPr>
@@ -4428,7 +4407,7 @@
         <p:spPr>
           <a:xfrm>
             <a:off x="152640" y="1371600"/>
-            <a:ext cx="5790960" cy="4343040"/>
+            <a:ext cx="5790600" cy="4342680"/>
           </a:xfrm>
           <a:prstGeom prst="rect">
             <a:avLst/>
@@ -4440,7 +4419,7 @@
       </p:pic>
       <p:pic>
         <p:nvPicPr>
-          <p:cNvPr id="75" name="" descr=""/>
+          <p:cNvPr id="74" name="" descr=""/>
           <p:cNvPicPr/>
           <p:nvPr/>
         </p:nvPicPr>
@@ -4453,7 +4432,7 @@
         <p:spPr>
           <a:xfrm>
             <a:off x="61200" y="1737360"/>
-            <a:ext cx="5242320" cy="3931560"/>
+            <a:ext cx="5241960" cy="3931200"/>
           </a:xfrm>
           <a:prstGeom prst="rect">
             <a:avLst/>
@@ -4465,7 +4444,7 @@
       </p:pic>
       <p:pic>
         <p:nvPicPr>
-          <p:cNvPr id="76" name="" descr=""/>
+          <p:cNvPr id="75" name="" descr=""/>
           <p:cNvPicPr/>
           <p:nvPr/>
         </p:nvPicPr>
@@ -4478,7 +4457,7 @@
         <p:spPr>
           <a:xfrm>
             <a:off x="4572000" y="1966320"/>
-            <a:ext cx="5143320" cy="3428640"/>
+            <a:ext cx="5142960" cy="3428280"/>
           </a:xfrm>
           <a:prstGeom prst="rect">
             <a:avLst/>
@@ -4490,18 +4469,22 @@
       </p:pic>
       <p:sp>
         <p:nvSpPr>
-          <p:cNvPr id="77" name="TextShape 5"/>
-          <p:cNvSpPr txBox="1"/>
+          <p:cNvPr id="76" name="CustomShape 5"/>
+          <p:cNvSpPr/>
           <p:nvPr/>
         </p:nvSpPr>
         <p:spPr>
           <a:xfrm>
             <a:off x="1645920" y="5509800"/>
-            <a:ext cx="7290360" cy="433800"/>
-          </a:xfrm>
-          <a:prstGeom prst="rect">
-            <a:avLst/>
-          </a:prstGeom>
+            <a:ext cx="7290000" cy="433440"/>
+          </a:xfrm>
+          <a:prstGeom prst="rect">
+            <a:avLst/>
+          </a:prstGeom>
+          <a:noFill/>
+          <a:ln>
+            <a:noFill/>
+          </a:ln>
         </p:spPr>
         <p:txBody>
           <a:bodyPr lIns="90000" rIns="90000" tIns="45000" bIns="45000"/>
